--- a/Seminar 205 - week 10/eh_presentaiton.pptx
+++ b/Seminar 205 - week 10/eh_presentaiton.pptx
@@ -293,7 +293,7 @@
           <a:p>
             <a:fld id="{73261BF4-8B2C-784B-9959-B59A059012C3}" type="datetimeFigureOut">
               <a:rPr lang="en-RU" smtClean="0"/>
-              <a:t>03/08/2023</a:t>
+              <a:t>03/13/2024</a:t>
             </a:fld>
             <a:endParaRPr lang="en-RU"/>
           </a:p>
@@ -13622,7 +13622,7 @@
           <a:p>
             <a:fld id="{53063DFB-8595-A44B-9F09-A50FA310E559}" type="datetimeFigureOut">
               <a:rPr lang="en-RU" smtClean="0"/>
-              <a:t>03/08/2023</a:t>
+              <a:t>03/13/2024</a:t>
             </a:fld>
             <a:endParaRPr lang="en-RU"/>
           </a:p>
@@ -14153,8 +14153,13 @@
           <a:p>
             <a:r>
               <a:rPr lang="ru-RU" dirty="0"/>
-              <a:t>Москва 2023</a:t>
-            </a:r>
+              <a:t>Москва 202</a:t>
+            </a:r>
+            <a:r>
+              <a:rPr lang="en-US" dirty="0"/>
+              <a:t>4</a:t>
+            </a:r>
+            <a:endParaRPr lang="ru-RU" dirty="0"/>
           </a:p>
         </p:txBody>
       </p:sp>
@@ -18062,8 +18067,8 @@
           </a:p>
         </p:txBody>
       </p:sp>
-      <mc:AlternateContent xmlns:mc="http://schemas.openxmlformats.org/markup-compatibility/2006">
-        <mc:Choice xmlns:a14="http://schemas.microsoft.com/office/drawing/2010/main" Requires="a14">
+      <mc:AlternateContent xmlns:mc="http://schemas.openxmlformats.org/markup-compatibility/2006" xmlns:a14="http://schemas.microsoft.com/office/drawing/2010/main">
+        <mc:Choice Requires="a14">
           <p:sp>
             <p:nvSpPr>
               <p:cNvPr id="4" name="Текст 3">
@@ -19803,7 +19808,7 @@
             </p:txBody>
           </p:sp>
         </mc:Choice>
-        <mc:Fallback>
+        <mc:Fallback xmlns="">
           <p:sp>
             <p:nvSpPr>
               <p:cNvPr id="4" name="Текст 3">
@@ -24734,13 +24739,18 @@
               </a:p>
               <a:p>
                 <a:r>
-                  <a:rPr lang="ru-RU" dirty="0">
+                  <a:rPr lang="ru-RU">
                     <a:solidFill>
                       <a:schemeClr val="tx1"/>
                     </a:solidFill>
                   </a:rPr>
-                  <a:t>Раскроем скобки и опустим слагаемые второго порядка малости</a:t>
+                  <a:t>Раскроем скобки:</a:t>
                 </a:r>
+                <a:endParaRPr lang="ru-RU" dirty="0">
+                  <a:solidFill>
+                    <a:schemeClr val="tx1"/>
+                  </a:solidFill>
+                </a:endParaRPr>
               </a:p>
               <a:p>
                 <a:pPr/>
@@ -37147,21 +37157,6 @@
 </file>
 
 <file path=customXml/item1.xml><?xml version="1.0" encoding="utf-8"?>
-<p:properties xmlns:p="http://schemas.microsoft.com/office/2006/metadata/properties" xmlns:xsi="http://www.w3.org/2001/XMLSchema-instance" xmlns:pc="http://schemas.microsoft.com/office/infopath/2007/PartnerControls">
-  <documentManagement/>
-</p:properties>
-</file>
-
-<file path=customXml/item2.xml><?xml version="1.0" encoding="utf-8"?>
-<?mso-contentType ?>
-<FormTemplates xmlns="http://schemas.microsoft.com/sharepoint/v3/contenttype/forms">
-  <Display>DocumentLibraryForm</Display>
-  <Edit>DocumentLibraryForm</Edit>
-  <New>DocumentLibraryForm</New>
-</FormTemplates>
-</file>
-
-<file path=customXml/item3.xml><?xml version="1.0" encoding="utf-8"?>
 <ct:contentTypeSchema xmlns:ct="http://schemas.microsoft.com/office/2006/metadata/contentType" xmlns:ma="http://schemas.microsoft.com/office/2006/metadata/properties/metaAttributes" ct:_="" ma:_="" ma:contentTypeName="Документ" ma:contentTypeID="0x0101002A9C74E6E830D74E9B0FDDB4017A5417" ma:contentTypeVersion="13" ma:contentTypeDescription="Создание документа." ma:contentTypeScope="" ma:versionID="d4e423622451d608a8a05f4da7a1e1a2">
   <xsd:schema xmlns:xsd="http://www.w3.org/2001/XMLSchema" xmlns:xs="http://www.w3.org/2001/XMLSchema" xmlns:p="http://schemas.microsoft.com/office/2006/metadata/properties" xmlns:ns2="9875bd71-cde8-496c-a136-433f55d5e6d0" xmlns:ns3="e96afe77-3acb-4328-97fc-408e1bde3ecd" targetNamespace="http://schemas.microsoft.com/office/2006/metadata/properties" ma:root="true" ma:fieldsID="4831203c63c08b9f52ea6d3ee0d7a96e" ns2:_="" ns3:_="">
     <xsd:import namespace="9875bd71-cde8-496c-a136-433f55d5e6d0"/>
@@ -37384,7 +37379,41 @@
 </ct:contentTypeSchema>
 </file>
 
+<file path=customXml/item2.xml><?xml version="1.0" encoding="utf-8"?>
+<p:properties xmlns:p="http://schemas.microsoft.com/office/2006/metadata/properties" xmlns:xsi="http://www.w3.org/2001/XMLSchema-instance" xmlns:pc="http://schemas.microsoft.com/office/infopath/2007/PartnerControls">
+  <documentManagement/>
+</p:properties>
+</file>
+
+<file path=customXml/item3.xml><?xml version="1.0" encoding="utf-8"?>
+<?mso-contentType ?>
+<FormTemplates xmlns="http://schemas.microsoft.com/sharepoint/v3/contenttype/forms">
+  <Display>DocumentLibraryForm</Display>
+  <Edit>DocumentLibraryForm</Edit>
+  <New>DocumentLibraryForm</New>
+</FormTemplates>
+</file>
+
 <file path=customXml/itemProps1.xml><?xml version="1.0" encoding="utf-8"?>
+<ds:datastoreItem xmlns:ds="http://schemas.openxmlformats.org/officeDocument/2006/customXml" ds:itemID="{4D4651DD-DCCC-4759-B2F6-7F520BDCC2B9}">
+  <ds:schemaRefs>
+    <ds:schemaRef ds:uri="http://schemas.microsoft.com/office/2006/metadata/contentType"/>
+    <ds:schemaRef ds:uri="http://schemas.microsoft.com/office/2006/metadata/properties/metaAttributes"/>
+    <ds:schemaRef ds:uri="http://www.w3.org/2001/XMLSchema"/>
+    <ds:schemaRef ds:uri="http://schemas.microsoft.com/office/2006/metadata/properties"/>
+    <ds:schemaRef ds:uri="9875bd71-cde8-496c-a136-433f55d5e6d0"/>
+    <ds:schemaRef ds:uri="e96afe77-3acb-4328-97fc-408e1bde3ecd"/>
+    <ds:schemaRef ds:uri="http://schemas.microsoft.com/office/2006/documentManagement/types"/>
+    <ds:schemaRef ds:uri="http://schemas.microsoft.com/office/infopath/2007/PartnerControls"/>
+    <ds:schemaRef ds:uri="http://schemas.openxmlformats.org/package/2006/metadata/core-properties"/>
+    <ds:schemaRef ds:uri="http://purl.org/dc/elements/1.1/"/>
+    <ds:schemaRef ds:uri="http://purl.org/dc/terms/"/>
+    <ds:schemaRef ds:uri="http://schemas.microsoft.com/internal/obd"/>
+  </ds:schemaRefs>
+</ds:datastoreItem>
+</file>
+
+<file path=customXml/itemProps2.xml><?xml version="1.0" encoding="utf-8"?>
 <ds:datastoreItem xmlns:ds="http://schemas.openxmlformats.org/officeDocument/2006/customXml" ds:itemID="{433DAF31-D8A6-49A0-9A5D-8B2EA5B1C511}">
   <ds:schemaRefs>
     <ds:schemaRef ds:uri="http://purl.org/dc/elements/1.1/"/>
@@ -37401,29 +37430,10 @@
 </ds:datastoreItem>
 </file>
 
-<file path=customXml/itemProps2.xml><?xml version="1.0" encoding="utf-8"?>
+<file path=customXml/itemProps3.xml><?xml version="1.0" encoding="utf-8"?>
 <ds:datastoreItem xmlns:ds="http://schemas.openxmlformats.org/officeDocument/2006/customXml" ds:itemID="{B34386AA-1848-4C75-B336-1053927CB025}">
   <ds:schemaRefs>
     <ds:schemaRef ds:uri="http://schemas.microsoft.com/sharepoint/v3/contenttype/forms"/>
   </ds:schemaRefs>
 </ds:datastoreItem>
-</file>
-
-<file path=customXml/itemProps3.xml><?xml version="1.0" encoding="utf-8"?>
-<ds:datastoreItem xmlns:ds="http://schemas.openxmlformats.org/officeDocument/2006/customXml" ds:itemID="{4D4651DD-DCCC-4759-B2F6-7F520BDCC2B9}">
-  <ds:schemaRefs>
-    <ds:schemaRef ds:uri="http://schemas.microsoft.com/office/2006/metadata/contentType"/>
-    <ds:schemaRef ds:uri="http://schemas.microsoft.com/office/2006/metadata/properties/metaAttributes"/>
-    <ds:schemaRef ds:uri="http://www.w3.org/2001/XMLSchema"/>
-    <ds:schemaRef ds:uri="http://schemas.microsoft.com/office/2006/metadata/properties"/>
-    <ds:schemaRef ds:uri="9875bd71-cde8-496c-a136-433f55d5e6d0"/>
-    <ds:schemaRef ds:uri="e96afe77-3acb-4328-97fc-408e1bde3ecd"/>
-    <ds:schemaRef ds:uri="http://schemas.microsoft.com/office/2006/documentManagement/types"/>
-    <ds:schemaRef ds:uri="http://schemas.microsoft.com/office/infopath/2007/PartnerControls"/>
-    <ds:schemaRef ds:uri="http://schemas.openxmlformats.org/package/2006/metadata/core-properties"/>
-    <ds:schemaRef ds:uri="http://purl.org/dc/elements/1.1/"/>
-    <ds:schemaRef ds:uri="http://purl.org/dc/terms/"/>
-    <ds:schemaRef ds:uri="http://schemas.microsoft.com/internal/obd"/>
-  </ds:schemaRefs>
-</ds:datastoreItem>
 </file>